--- a/PRESENTATIONS/2021-10-online-f2f/2021-10-26-WoT-F2F-Opening-McCool.pptx
+++ b/PRESENTATIONS/2021-10-online-f2f/2021-10-26-WoT-F2F-Opening-McCool.pptx
@@ -211,7 +211,7 @@
           <a:p>
             <a:fld id="{8389B5DD-0274-BF45-B4C5-62E173E8F634}" type="datetimeFigureOut">
               <a:rPr lang="en-US" smtClean="0"/>
-              <a:t>10/25/21</a:t>
+              <a:t>10/26/21</a:t>
             </a:fld>
             <a:endParaRPr lang="en-US"/>
           </a:p>
@@ -827,7 +827,7 @@
           <a:p>
             <a:fld id="{2F93E591-CC8D-C74E-8EED-098A7FB5E64D}" type="datetime1">
               <a:rPr lang="en-CA" smtClean="0"/>
-              <a:t>2021-10-25</a:t>
+              <a:t>2021-10-26</a:t>
             </a:fld>
             <a:endParaRPr lang="en-US"/>
           </a:p>
@@ -1095,7 +1095,7 @@
           <a:p>
             <a:fld id="{2E1BC118-574D-594E-ABEA-A7C82666C9AB}" type="datetime1">
               <a:rPr lang="en-CA" smtClean="0"/>
-              <a:t>2021-10-25</a:t>
+              <a:t>2021-10-26</a:t>
             </a:fld>
             <a:endParaRPr lang="en-US"/>
           </a:p>
@@ -1461,7 +1461,7 @@
           <a:p>
             <a:fld id="{B929AB1E-7FD9-0A40-B7C0-508CCACB3E9A}" type="datetime1">
               <a:rPr lang="en-CA" smtClean="0"/>
-              <a:t>2021-10-25</a:t>
+              <a:t>2021-10-26</a:t>
             </a:fld>
             <a:endParaRPr lang="en-US"/>
           </a:p>
@@ -1693,7 +1693,7 @@
           <a:p>
             <a:fld id="{5AE8723F-57EA-4C47-97B9-92AFDEEF85DC}" type="datetime1">
               <a:rPr lang="en-CA" smtClean="0"/>
-              <a:t>2021-10-25</a:t>
+              <a:t>2021-10-26</a:t>
             </a:fld>
             <a:endParaRPr lang="en-US"/>
           </a:p>
@@ -2023,7 +2023,7 @@
           <a:p>
             <a:fld id="{B2B00E5D-EC04-AA49-8D52-0FCB6E08F63D}" type="datetime1">
               <a:rPr lang="en-CA" smtClean="0"/>
-              <a:t>2021-10-25</a:t>
+              <a:t>2021-10-26</a:t>
             </a:fld>
             <a:endParaRPr lang="en-US"/>
           </a:p>
@@ -2496,7 +2496,7 @@
           <a:p>
             <a:fld id="{FF90905C-10FF-8047-AA7E-6DC7E8B6AF51}" type="datetime1">
               <a:rPr lang="en-CA" smtClean="0"/>
-              <a:t>2021-10-25</a:t>
+              <a:t>2021-10-26</a:t>
             </a:fld>
             <a:endParaRPr lang="en-US"/>
           </a:p>
@@ -2702,7 +2702,7 @@
           <a:p>
             <a:fld id="{D1CE86E2-4400-D342-BEEC-F9C1ADF6F9F7}" type="datetime1">
               <a:rPr lang="en-CA" smtClean="0"/>
-              <a:t>2021-10-25</a:t>
+              <a:t>2021-10-26</a:t>
             </a:fld>
             <a:endParaRPr lang="en-US"/>
           </a:p>
@@ -2872,7 +2872,7 @@
           <a:p>
             <a:fld id="{74358A08-7221-7F45-8378-69D5559861DD}" type="datetime1">
               <a:rPr lang="en-CA" smtClean="0"/>
-              <a:t>2021-10-25</a:t>
+              <a:t>2021-10-26</a:t>
             </a:fld>
             <a:endParaRPr lang="en-US"/>
           </a:p>
@@ -3244,7 +3244,7 @@
           <a:p>
             <a:fld id="{08C20FDB-303D-8A4E-83B7-226DD88B97BD}" type="datetime1">
               <a:rPr lang="en-CA" smtClean="0"/>
-              <a:t>2021-10-25</a:t>
+              <a:t>2021-10-26</a:t>
             </a:fld>
             <a:endParaRPr lang="en-US"/>
           </a:p>
@@ -3596,7 +3596,7 @@
           <a:p>
             <a:fld id="{0A9EBA37-9D18-D34A-A88D-1B00AA06E95C}" type="datetime1">
               <a:rPr lang="en-CA" smtClean="0"/>
-              <a:t>2021-10-25</a:t>
+              <a:t>2021-10-26</a:t>
             </a:fld>
             <a:endParaRPr lang="en-US"/>
           </a:p>
@@ -3936,7 +3936,7 @@
             <a:fld id="{B73A2E78-F38A-E046-ACDB-668F070D1EF6}" type="datetime1">
               <a:rPr lang="en-CA" smtClean="0"/>
               <a:pPr/>
-              <a:t>2021-10-25</a:t>
+              <a:t>2021-10-26</a:t>
             </a:fld>
             <a:endParaRPr lang="en-US" dirty="0"/>
           </a:p>
@@ -4654,7 +4654,7 @@
           <a:p>
             <a:fld id="{BF92DA42-2970-1B4D-9C1F-77F249CD7467}" type="datetime1">
               <a:rPr lang="en-CA" smtClean="0"/>
-              <a:t>2021-10-25</a:t>
+              <a:t>2021-10-26</a:t>
             </a:fld>
             <a:endParaRPr lang="en-US" dirty="0"/>
           </a:p>
@@ -5116,15 +5116,23 @@
             <a:pPr lvl="1"/>
             <a:r>
               <a:rPr lang="de-DE" dirty="0"/>
-              <a:t>Conexxus: 20m; NHK: 20m; </a:t>
+              <a:t>Conexxus: 20m; </a:t>
             </a:r>
             <a:r>
               <a:rPr lang="de-DE" dirty="0" err="1"/>
               <a:t>MiniApps</a:t>
             </a:r>
             <a:r>
+              <a:rPr lang="de-DE"/>
+              <a:t>: 20m; NHK</a:t>
+            </a:r>
+            <a:r>
               <a:rPr lang="de-DE" dirty="0"/>
-              <a:t>: 20m; Digital </a:t>
+              <a:t>: 20m</a:t>
+            </a:r>
+            <a:r>
+              <a:rPr lang="de-DE"/>
+              <a:t>; Digital </a:t>
             </a:r>
             <a:r>
               <a:rPr lang="de-DE" dirty="0" err="1"/>
@@ -5275,7 +5283,7 @@
           <a:p>
             <a:fld id="{B929AB1E-7FD9-0A40-B7C0-508CCACB3E9A}" type="datetime1">
               <a:rPr lang="en-CA" smtClean="0"/>
-              <a:t>2021-10-25</a:t>
+              <a:t>2021-10-26</a:t>
             </a:fld>
             <a:endParaRPr lang="en-US"/>
           </a:p>
@@ -5520,7 +5528,7 @@
           <a:p>
             <a:fld id="{BF92DA42-2970-1B4D-9C1F-77F249CD7467}" type="datetime1">
               <a:rPr lang="en-CA" smtClean="0"/>
-              <a:t>2021-10-25</a:t>
+              <a:t>2021-10-26</a:t>
             </a:fld>
             <a:endParaRPr lang="en-US" dirty="0"/>
           </a:p>

--- a/PRESENTATIONS/2021-10-online-f2f/2021-10-26-WoT-F2F-Opening-McCool.pptx
+++ b/PRESENTATIONS/2021-10-online-f2f/2021-10-26-WoT-F2F-Opening-McCool.pptx
@@ -5,13 +5,14 @@
     <p:sldMasterId id="2147483648" r:id="rId1"/>
   </p:sldMasterIdLst>
   <p:notesMasterIdLst>
-    <p:notesMasterId r:id="rId6"/>
+    <p:notesMasterId r:id="rId7"/>
   </p:notesMasterIdLst>
   <p:sldIdLst>
     <p:sldId id="256" r:id="rId2"/>
     <p:sldId id="257" r:id="rId3"/>
     <p:sldId id="259" r:id="rId4"/>
-    <p:sldId id="258" r:id="rId5"/>
+    <p:sldId id="260" r:id="rId5"/>
+    <p:sldId id="258" r:id="rId6"/>
   </p:sldIdLst>
   <p:sldSz cx="12192000" cy="6858000"/>
   <p:notesSz cx="6858000" cy="9144000"/>
@@ -4911,7 +4912,7 @@
           <a:p>
             <a:r>
               <a:rPr lang="en-CA" b="1" dirty="0"/>
-              <a:t>WG: Tuesday Oct 26 (2h55m)</a:t>
+              <a:t>WG/IG: Tuesday Oct 26 (2h55m)</a:t>
             </a:r>
           </a:p>
           <a:p>
@@ -5051,7 +5052,7 @@
           <a:p>
             <a:r>
               <a:rPr lang="en-CA" b="1" dirty="0"/>
-              <a:t>WG: Tuesday Oct 26 (2h55m)</a:t>
+              <a:t>WG/IG: Tuesday Oct 26 (2h55m)</a:t>
             </a:r>
             <a:r>
               <a:rPr lang="en-CA" dirty="0"/>
@@ -5104,7 +5105,7 @@
           <a:p>
             <a:r>
               <a:rPr lang="en-CA" b="1" dirty="0"/>
-              <a:t>0h10m – Use Cases (1h20m) - </a:t>
+              <a:t>0h10m – Use Cases (1h50m) - </a:t>
             </a:r>
             <a:r>
               <a:rPr lang="en-CA" b="1" dirty="0" err="1"/>
@@ -5123,57 +5124,60 @@
               <a:t>MiniApps</a:t>
             </a:r>
             <a:r>
-              <a:rPr lang="de-DE"/>
-              <a:t>: 20m; NHK</a:t>
+              <a:rPr lang="de-DE" dirty="0"/>
+              <a:t>: 20m; NHK: 20m; Digital </a:t>
+            </a:r>
+            <a:r>
+              <a:rPr lang="de-DE" dirty="0" err="1"/>
+              <a:t>Microscopes</a:t>
             </a:r>
             <a:r>
               <a:rPr lang="de-DE" dirty="0"/>
               <a:t>: 20m</a:t>
             </a:r>
-            <a:r>
-              <a:rPr lang="de-DE"/>
-              <a:t>; Digital </a:t>
+          </a:p>
+          <a:p>
+            <a:pPr lvl="1"/>
+            <a:r>
+              <a:rPr lang="de-DE" dirty="0"/>
+              <a:t>+ECLASS: 20m, +</a:t>
             </a:r>
             <a:r>
               <a:rPr lang="de-DE" dirty="0" err="1"/>
-              <a:t>Microscopes</a:t>
+              <a:t>Opening</a:t>
             </a:r>
             <a:r>
               <a:rPr lang="de-DE" dirty="0"/>
-              <a:t>: 20m</a:t>
+              <a:t>: 10m</a:t>
             </a:r>
           </a:p>
           <a:p>
             <a:r>
               <a:rPr lang="en-CA" b="1" dirty="0"/>
-              <a:t>1h30m - Break (10m)</a:t>
+              <a:t>2h00m - Break (10m)</a:t>
             </a:r>
           </a:p>
           <a:p>
             <a:r>
               <a:rPr lang="en-CA" b="1" dirty="0"/>
-              <a:t>1h40m – Japanese WoT CG Update – </a:t>
-            </a:r>
-            <a:r>
-              <a:rPr lang="en-CA" b="1" dirty="0" err="1"/>
-              <a:t>Kaz</a:t>
-            </a:r>
+              <a:t>2h10m – Japanese WoT CG Update – Mizushima (15m)</a:t>
+            </a:r>
+          </a:p>
+          <a:p>
             <a:r>
               <a:rPr lang="en-CA" b="1" dirty="0"/>
-              <a:t> (30m)</a:t>
-            </a:r>
-          </a:p>
-          <a:p>
+              <a:t>2h25m – Charters – McCool (30m)</a:t>
+            </a:r>
+          </a:p>
+          <a:p>
+            <a:pPr lvl="1"/>
+            <a:r>
+              <a:rPr lang="en-CA" b="1"/>
+              <a:t>Deadlines, schedule </a:t>
+            </a:r>
             <a:r>
               <a:rPr lang="en-CA" b="1" dirty="0"/>
-              <a:t>2h10m – Charters – McCool (45m)</a:t>
-            </a:r>
-          </a:p>
-          <a:p>
-            <a:pPr lvl="1"/>
-            <a:r>
-              <a:rPr lang="en-CA" b="1" dirty="0"/>
-              <a:t>Schedule revisions, WG charter extension resolution</a:t>
+              <a:t>revisions, WG charter extension resolution</a:t>
             </a:r>
           </a:p>
           <a:p>
@@ -5304,7 +5308,7 @@
         <p:spPr>
           <a:xfrm>
             <a:off x="7008968" y="2137290"/>
-            <a:ext cx="1420582" cy="523220"/>
+            <a:ext cx="2834687" cy="523220"/>
           </a:xfrm>
           <a:prstGeom prst="rect">
             <a:avLst/>
@@ -5323,8 +5327,21 @@
                   <a:srgbClr val="C00000"/>
                 </a:solidFill>
               </a:rPr>
-              <a:t>Scribe: ?</a:t>
-            </a:r>
+              <a:t>Scribe: Daniel/</a:t>
+            </a:r>
+            <a:r>
+              <a:rPr lang="en-US" sz="2800" dirty="0" err="1">
+                <a:solidFill>
+                  <a:srgbClr val="C00000"/>
+                </a:solidFill>
+              </a:rPr>
+              <a:t>Ege</a:t>
+            </a:r>
+            <a:endParaRPr lang="en-US" sz="2800" dirty="0">
+              <a:solidFill>
+                <a:srgbClr val="C00000"/>
+              </a:solidFill>
+            </a:endParaRPr>
           </a:p>
         </p:txBody>
       </p:sp>
@@ -5363,6 +5380,216 @@
           <p:cNvPr id="2" name="Title 1">
             <a:extLst>
               <a:ext uri="{FF2B5EF4-FFF2-40B4-BE49-F238E27FC236}">
+                <a16:creationId xmlns:a16="http://schemas.microsoft.com/office/drawing/2014/main" id="{321586EA-2641-7240-BA0C-5FD9A89988DE}"/>
+              </a:ext>
+            </a:extLst>
+          </p:cNvPr>
+          <p:cNvSpPr>
+            <a:spLocks noGrp="1"/>
+          </p:cNvSpPr>
+          <p:nvPr>
+            <p:ph type="title"/>
+          </p:nvPr>
+        </p:nvSpPr>
+        <p:spPr/>
+        <p:txBody>
+          <a:bodyPr/>
+          <a:lstStyle/>
+          <a:p>
+            <a:r>
+              <a:rPr lang="en-US" dirty="0"/>
+              <a:t>W3C Interest Group - Patent Policy</a:t>
+            </a:r>
+          </a:p>
+        </p:txBody>
+      </p:sp>
+      <p:sp>
+        <p:nvSpPr>
+          <p:cNvPr id="3" name="Content Placeholder 2">
+            <a:extLst>
+              <a:ext uri="{FF2B5EF4-FFF2-40B4-BE49-F238E27FC236}">
+                <a16:creationId xmlns:a16="http://schemas.microsoft.com/office/drawing/2014/main" id="{A6E921E6-BE3F-A145-8249-6CF8DFB3E90D}"/>
+              </a:ext>
+            </a:extLst>
+          </p:cNvPr>
+          <p:cNvSpPr>
+            <a:spLocks noGrp="1"/>
+          </p:cNvSpPr>
+          <p:nvPr>
+            <p:ph idx="1"/>
+          </p:nvPr>
+        </p:nvSpPr>
+        <p:spPr/>
+        <p:txBody>
+          <a:bodyPr/>
+          <a:lstStyle/>
+          <a:p>
+            <a:r>
+              <a:rPr lang="en-US" dirty="0"/>
+              <a:t>This is a W3C Web of Things Interest Group meeting.</a:t>
+            </a:r>
+          </a:p>
+          <a:p>
+            <a:r>
+              <a:rPr lang="en-US" dirty="0"/>
+              <a:t>Outside guests are permitted, however they have to agree to the W3C IP policies:</a:t>
+            </a:r>
+          </a:p>
+          <a:p>
+            <a:pPr lvl="1"/>
+            <a:r>
+              <a:rPr lang="en-CA" u="sng" dirty="0">
+                <a:hlinkClick r:id="rId2"/>
+              </a:rPr>
+              <a:t>W3C 2017 Patent Policy</a:t>
+            </a:r>
+            <a:endParaRPr lang="en-CA" dirty="0"/>
+          </a:p>
+          <a:p>
+            <a:pPr lvl="1"/>
+            <a:r>
+              <a:rPr lang="en-CA" u="sng" dirty="0">
+                <a:hlinkClick r:id="rId3"/>
+              </a:rPr>
+              <a:t>Patent Policy FAQ - Q6</a:t>
+            </a:r>
+            <a:endParaRPr lang="en-US" dirty="0"/>
+          </a:p>
+          <a:p>
+            <a:r>
+              <a:rPr lang="en-US" dirty="0"/>
+              <a:t>This is a public forum: confidential information should NOT be shared.</a:t>
+            </a:r>
+          </a:p>
+          <a:p>
+            <a:pPr marL="0" indent="0">
+              <a:buNone/>
+            </a:pPr>
+            <a:endParaRPr lang="en-US" dirty="0"/>
+          </a:p>
+        </p:txBody>
+      </p:sp>
+      <p:sp>
+        <p:nvSpPr>
+          <p:cNvPr id="4" name="Footer Placeholder 3">
+            <a:extLst>
+              <a:ext uri="{FF2B5EF4-FFF2-40B4-BE49-F238E27FC236}">
+                <a16:creationId xmlns:a16="http://schemas.microsoft.com/office/drawing/2014/main" id="{96D5CA8E-D2AF-5D4F-8BD3-3D1D179DF845}"/>
+              </a:ext>
+            </a:extLst>
+          </p:cNvPr>
+          <p:cNvSpPr>
+            <a:spLocks noGrp="1"/>
+          </p:cNvSpPr>
+          <p:nvPr>
+            <p:ph type="ftr" sz="quarter" idx="11"/>
+          </p:nvPr>
+        </p:nvSpPr>
+        <p:spPr/>
+        <p:txBody>
+          <a:bodyPr/>
+          <a:lstStyle/>
+          <a:p>
+            <a:r>
+              <a:rPr lang="en-US"/>
+              <a:t>W3C Web of Things (WoT) WG/IG</a:t>
+            </a:r>
+          </a:p>
+        </p:txBody>
+      </p:sp>
+      <p:sp>
+        <p:nvSpPr>
+          <p:cNvPr id="5" name="Slide Number Placeholder 4">
+            <a:extLst>
+              <a:ext uri="{FF2B5EF4-FFF2-40B4-BE49-F238E27FC236}">
+                <a16:creationId xmlns:a16="http://schemas.microsoft.com/office/drawing/2014/main" id="{0EB39288-2915-5F4F-BA3C-64D6F7BC2B73}"/>
+              </a:ext>
+            </a:extLst>
+          </p:cNvPr>
+          <p:cNvSpPr>
+            <a:spLocks noGrp="1"/>
+          </p:cNvSpPr>
+          <p:nvPr>
+            <p:ph type="sldNum" sz="quarter" idx="12"/>
+          </p:nvPr>
+        </p:nvSpPr>
+        <p:spPr/>
+        <p:txBody>
+          <a:bodyPr/>
+          <a:lstStyle/>
+          <a:p>
+            <a:fld id="{055BDE2E-7167-1944-9FEE-E44668D91CB6}" type="slidenum">
+              <a:rPr lang="en-US" smtClean="0"/>
+              <a:t>4</a:t>
+            </a:fld>
+            <a:endParaRPr lang="en-US"/>
+          </a:p>
+        </p:txBody>
+      </p:sp>
+      <p:sp>
+        <p:nvSpPr>
+          <p:cNvPr id="6" name="Date Placeholder 5">
+            <a:extLst>
+              <a:ext uri="{FF2B5EF4-FFF2-40B4-BE49-F238E27FC236}">
+                <a16:creationId xmlns:a16="http://schemas.microsoft.com/office/drawing/2014/main" id="{B6650316-771F-DF4B-9ABB-8B405DF5CE1E}"/>
+              </a:ext>
+            </a:extLst>
+          </p:cNvPr>
+          <p:cNvSpPr>
+            <a:spLocks noGrp="1"/>
+          </p:cNvSpPr>
+          <p:nvPr>
+            <p:ph type="dt" sz="half" idx="10"/>
+          </p:nvPr>
+        </p:nvSpPr>
+        <p:spPr/>
+        <p:txBody>
+          <a:bodyPr/>
+          <a:lstStyle/>
+          <a:p>
+            <a:fld id="{B929AB1E-7FD9-0A40-B7C0-508CCACB3E9A}" type="datetime1">
+              <a:rPr lang="en-CA" smtClean="0"/>
+              <a:t>2021-10-26</a:t>
+            </a:fld>
+            <a:endParaRPr lang="en-US"/>
+          </a:p>
+        </p:txBody>
+      </p:sp>
+    </p:spTree>
+    <p:extLst>
+      <p:ext uri="{BB962C8B-B14F-4D97-AF65-F5344CB8AC3E}">
+        <p14:creationId xmlns:p14="http://schemas.microsoft.com/office/powerpoint/2010/main" val="2653824369"/>
+      </p:ext>
+    </p:extLst>
+  </p:cSld>
+  <p:clrMapOvr>
+    <a:masterClrMapping/>
+  </p:clrMapOvr>
+</p:sld>
+</file>
+
+<file path=ppt/slides/slide5.xml><?xml version="1.0" encoding="utf-8"?>
+<p:sld xmlns:a="http://schemas.openxmlformats.org/drawingml/2006/main" xmlns:r="http://schemas.openxmlformats.org/officeDocument/2006/relationships" xmlns:p="http://schemas.openxmlformats.org/presentationml/2006/main">
+  <p:cSld>
+    <p:spTree>
+      <p:nvGrpSpPr>
+        <p:cNvPr id="1" name=""/>
+        <p:cNvGrpSpPr/>
+        <p:nvPr/>
+      </p:nvGrpSpPr>
+      <p:grpSpPr>
+        <a:xfrm>
+          <a:off x="0" y="0"/>
+          <a:ext cx="0" cy="0"/>
+          <a:chOff x="0" y="0"/>
+          <a:chExt cx="0" cy="0"/>
+        </a:xfrm>
+      </p:grpSpPr>
+      <p:sp>
+        <p:nvSpPr>
+          <p:cNvPr id="2" name="Title 1">
+            <a:extLst>
+              <a:ext uri="{FF2B5EF4-FFF2-40B4-BE49-F238E27FC236}">
                 <a16:creationId xmlns:a16="http://schemas.microsoft.com/office/drawing/2014/main" id="{85BC194C-11B4-DF4D-BD5B-07A74B9C6240}"/>
               </a:ext>
             </a:extLst>
@@ -5585,7 +5812,7 @@
           <a:p>
             <a:fld id="{055BDE2E-7167-1944-9FEE-E44668D91CB6}" type="slidenum">
               <a:rPr lang="en-US" smtClean="0"/>
-              <a:t>4</a:t>
+              <a:t>5</a:t>
             </a:fld>
             <a:endParaRPr lang="en-US"/>
           </a:p>
